--- a/ML in Marketing/1.Price optimization/вступление.pptx
+++ b/ML in Marketing/1.Price optimization/вступление.pptx
@@ -62,15 +62,6 @@
     <p:sldId id="335" r:id="rId56"/>
     <p:sldId id="336" r:id="rId57"/>
     <p:sldId id="337" r:id="rId58"/>
-    <p:sldId id="275" r:id="rId59"/>
-    <p:sldId id="276" r:id="rId60"/>
-    <p:sldId id="288" r:id="rId61"/>
-    <p:sldId id="278" r:id="rId62"/>
-    <p:sldId id="259" r:id="rId63"/>
-    <p:sldId id="260" r:id="rId64"/>
-    <p:sldId id="261" r:id="rId65"/>
-    <p:sldId id="265" r:id="rId66"/>
-    <p:sldId id="268" r:id="rId67"/>
   </p:sldIdLst>
   <p:sldSz cx="12192000" cy="6858000"/>
   <p:notesSz cx="6858000" cy="9144000"/>
@@ -324,7 +315,7 @@
           <a:p>
             <a:fld id="{1B6B4907-CE3E-4EBE-9EEB-98E8759CF112}" type="datetimeFigureOut">
               <a:rPr lang="ru-RU" smtClean="0"/>
-              <a:t>12.11.2021</a:t>
+              <a:t>10.12.2021</a:t>
             </a:fld>
             <a:endParaRPr lang="ru-RU"/>
           </a:p>
@@ -522,7 +513,7 @@
           <a:p>
             <a:fld id="{1B6B4907-CE3E-4EBE-9EEB-98E8759CF112}" type="datetimeFigureOut">
               <a:rPr lang="ru-RU" smtClean="0"/>
-              <a:t>12.11.2021</a:t>
+              <a:t>10.12.2021</a:t>
             </a:fld>
             <a:endParaRPr lang="ru-RU"/>
           </a:p>
@@ -730,7 +721,7 @@
           <a:p>
             <a:fld id="{1B6B4907-CE3E-4EBE-9EEB-98E8759CF112}" type="datetimeFigureOut">
               <a:rPr lang="ru-RU" smtClean="0"/>
-              <a:t>12.11.2021</a:t>
+              <a:t>10.12.2021</a:t>
             </a:fld>
             <a:endParaRPr lang="ru-RU"/>
           </a:p>
@@ -928,7 +919,7 @@
           <a:p>
             <a:fld id="{1B6B4907-CE3E-4EBE-9EEB-98E8759CF112}" type="datetimeFigureOut">
               <a:rPr lang="ru-RU" smtClean="0"/>
-              <a:t>12.11.2021</a:t>
+              <a:t>10.12.2021</a:t>
             </a:fld>
             <a:endParaRPr lang="ru-RU"/>
           </a:p>
@@ -1203,7 +1194,7 @@
           <a:p>
             <a:fld id="{1B6B4907-CE3E-4EBE-9EEB-98E8759CF112}" type="datetimeFigureOut">
               <a:rPr lang="ru-RU" smtClean="0"/>
-              <a:t>12.11.2021</a:t>
+              <a:t>10.12.2021</a:t>
             </a:fld>
             <a:endParaRPr lang="ru-RU"/>
           </a:p>
@@ -1468,7 +1459,7 @@
           <a:p>
             <a:fld id="{1B6B4907-CE3E-4EBE-9EEB-98E8759CF112}" type="datetimeFigureOut">
               <a:rPr lang="ru-RU" smtClean="0"/>
-              <a:t>12.11.2021</a:t>
+              <a:t>10.12.2021</a:t>
             </a:fld>
             <a:endParaRPr lang="ru-RU"/>
           </a:p>
@@ -1880,7 +1871,7 @@
           <a:p>
             <a:fld id="{1B6B4907-CE3E-4EBE-9EEB-98E8759CF112}" type="datetimeFigureOut">
               <a:rPr lang="ru-RU" smtClean="0"/>
-              <a:t>12.11.2021</a:t>
+              <a:t>10.12.2021</a:t>
             </a:fld>
             <a:endParaRPr lang="ru-RU"/>
           </a:p>
@@ -2021,7 +2012,7 @@
           <a:p>
             <a:fld id="{1B6B4907-CE3E-4EBE-9EEB-98E8759CF112}" type="datetimeFigureOut">
               <a:rPr lang="ru-RU" smtClean="0"/>
-              <a:t>12.11.2021</a:t>
+              <a:t>10.12.2021</a:t>
             </a:fld>
             <a:endParaRPr lang="ru-RU"/>
           </a:p>
@@ -2134,7 +2125,7 @@
           <a:p>
             <a:fld id="{1B6B4907-CE3E-4EBE-9EEB-98E8759CF112}" type="datetimeFigureOut">
               <a:rPr lang="ru-RU" smtClean="0"/>
-              <a:t>12.11.2021</a:t>
+              <a:t>10.12.2021</a:t>
             </a:fld>
             <a:endParaRPr lang="ru-RU"/>
           </a:p>
@@ -2445,7 +2436,7 @@
           <a:p>
             <a:fld id="{1B6B4907-CE3E-4EBE-9EEB-98E8759CF112}" type="datetimeFigureOut">
               <a:rPr lang="ru-RU" smtClean="0"/>
-              <a:t>12.11.2021</a:t>
+              <a:t>10.12.2021</a:t>
             </a:fld>
             <a:endParaRPr lang="ru-RU"/>
           </a:p>
@@ -2733,7 +2724,7 @@
           <a:p>
             <a:fld id="{1B6B4907-CE3E-4EBE-9EEB-98E8759CF112}" type="datetimeFigureOut">
               <a:rPr lang="ru-RU" smtClean="0"/>
-              <a:t>12.11.2021</a:t>
+              <a:t>10.12.2021</a:t>
             </a:fld>
             <a:endParaRPr lang="ru-RU"/>
           </a:p>
@@ -2974,7 +2965,7 @@
           <a:p>
             <a:fld id="{1B6B4907-CE3E-4EBE-9EEB-98E8759CF112}" type="datetimeFigureOut">
               <a:rPr lang="ru-RU" smtClean="0"/>
-              <a:t>12.11.2021</a:t>
+              <a:t>10.12.2021</a:t>
             </a:fld>
             <a:endParaRPr lang="ru-RU"/>
           </a:p>
@@ -28533,251 +28524,6 @@
 </p:sld>
 </file>
 
-<file path=ppt/slides/slide58.xml><?xml version="1.0" encoding="utf-8"?>
-<p:sld xmlns:a="http://schemas.openxmlformats.org/drawingml/2006/main" xmlns:r="http://schemas.openxmlformats.org/officeDocument/2006/relationships" xmlns:p="http://schemas.openxmlformats.org/presentationml/2006/main">
-  <p:cSld>
-    <p:spTree>
-      <p:nvGrpSpPr>
-        <p:cNvPr id="1" name=""/>
-        <p:cNvGrpSpPr/>
-        <p:nvPr/>
-      </p:nvGrpSpPr>
-      <p:grpSpPr>
-        <a:xfrm>
-          <a:off x="0" y="0"/>
-          <a:ext cx="0" cy="0"/>
-          <a:chOff x="0" y="0"/>
-          <a:chExt cx="0" cy="0"/>
-        </a:xfrm>
-      </p:grpSpPr>
-      <p:sp>
-        <p:nvSpPr>
-          <p:cNvPr id="2" name="Заголовок 1">
-            <a:extLst>
-              <a:ext uri="{FF2B5EF4-FFF2-40B4-BE49-F238E27FC236}">
-                <a16:creationId xmlns:a16="http://schemas.microsoft.com/office/drawing/2014/main" id="{DDEFB499-2587-49D0-811D-F35E0C1C208B}"/>
-              </a:ext>
-            </a:extLst>
-          </p:cNvPr>
-          <p:cNvSpPr>
-            <a:spLocks noGrp="1"/>
-          </p:cNvSpPr>
-          <p:nvPr>
-            <p:ph type="ctrTitle"/>
-          </p:nvPr>
-        </p:nvSpPr>
-        <p:spPr/>
-        <p:txBody>
-          <a:bodyPr/>
-          <a:lstStyle/>
-          <a:p>
-            <a:r>
-              <a:rPr lang="ru-RU" dirty="0"/>
-              <a:t>Оптимизация цены</a:t>
-            </a:r>
-          </a:p>
-        </p:txBody>
-      </p:sp>
-      <p:sp>
-        <p:nvSpPr>
-          <p:cNvPr id="3" name="Подзаголовок 2">
-            <a:extLst>
-              <a:ext uri="{FF2B5EF4-FFF2-40B4-BE49-F238E27FC236}">
-                <a16:creationId xmlns:a16="http://schemas.microsoft.com/office/drawing/2014/main" id="{E06F02AC-77B4-4EA1-8300-73FC77DB42CE}"/>
-              </a:ext>
-            </a:extLst>
-          </p:cNvPr>
-          <p:cNvSpPr>
-            <a:spLocks noGrp="1"/>
-          </p:cNvSpPr>
-          <p:nvPr>
-            <p:ph type="subTitle" idx="1"/>
-          </p:nvPr>
-        </p:nvSpPr>
-        <p:spPr/>
-        <p:txBody>
-          <a:bodyPr/>
-          <a:lstStyle/>
-          <a:p>
-            <a:endParaRPr lang="ru-RU"/>
-          </a:p>
-        </p:txBody>
-      </p:sp>
-    </p:spTree>
-    <p:extLst>
-      <p:ext uri="{BB962C8B-B14F-4D97-AF65-F5344CB8AC3E}">
-        <p14:creationId xmlns:p14="http://schemas.microsoft.com/office/powerpoint/2010/main" val="4100160392"/>
-      </p:ext>
-    </p:extLst>
-  </p:cSld>
-  <p:clrMapOvr>
-    <a:masterClrMapping/>
-  </p:clrMapOvr>
-</p:sld>
-</file>
-
-<file path=ppt/slides/slide59.xml><?xml version="1.0" encoding="utf-8"?>
-<p:sld xmlns:a="http://schemas.openxmlformats.org/drawingml/2006/main" xmlns:r="http://schemas.openxmlformats.org/officeDocument/2006/relationships" xmlns:p="http://schemas.openxmlformats.org/presentationml/2006/main">
-  <p:cSld>
-    <p:spTree>
-      <p:nvGrpSpPr>
-        <p:cNvPr id="1" name=""/>
-        <p:cNvGrpSpPr/>
-        <p:nvPr/>
-      </p:nvGrpSpPr>
-      <p:grpSpPr>
-        <a:xfrm>
-          <a:off x="0" y="0"/>
-          <a:ext cx="0" cy="0"/>
-          <a:chOff x="0" y="0"/>
-          <a:chExt cx="0" cy="0"/>
-        </a:xfrm>
-      </p:grpSpPr>
-      <p:sp>
-        <p:nvSpPr>
-          <p:cNvPr id="3" name="TextBox 2">
-            <a:extLst>
-              <a:ext uri="{FF2B5EF4-FFF2-40B4-BE49-F238E27FC236}">
-                <a16:creationId xmlns:a16="http://schemas.microsoft.com/office/drawing/2014/main" id="{6A6BADCB-7BBC-4F50-8548-9AEF15FDF954}"/>
-              </a:ext>
-            </a:extLst>
-          </p:cNvPr>
-          <p:cNvSpPr txBox="1"/>
-          <p:nvPr/>
-        </p:nvSpPr>
-        <p:spPr>
-          <a:xfrm>
-            <a:off x="558580" y="214759"/>
-            <a:ext cx="6094674" cy="2862322"/>
-          </a:xfrm>
-          <a:prstGeom prst="rect">
-            <a:avLst/>
-          </a:prstGeom>
-          <a:noFill/>
-        </p:spPr>
-        <p:txBody>
-          <a:bodyPr wrap="square">
-            <a:spAutoFit/>
-          </a:bodyPr>
-          <a:lstStyle/>
-          <a:p>
-            <a:r>
-              <a:rPr lang="en-US"/>
-              <a:t>A demand model enables us to search for the optimal price by analyzing how the price changes increase or decrease the profits. We have already seen that this optimization is not particularly difficult for basic price structures and an oversimplified environment that does not account for the special properties of supply, demand, and operations that can be found in real applications. In practice, however, we face numerous constraints and interdependencies that require much more elaborate and specialized optimization models to be developed.</a:t>
-            </a:r>
-            <a:endParaRPr lang="ru-RU" dirty="0"/>
-          </a:p>
-        </p:txBody>
-      </p:sp>
-      <p:sp>
-        <p:nvSpPr>
-          <p:cNvPr id="5" name="TextBox 4">
-            <a:extLst>
-              <a:ext uri="{FF2B5EF4-FFF2-40B4-BE49-F238E27FC236}">
-                <a16:creationId xmlns:a16="http://schemas.microsoft.com/office/drawing/2014/main" id="{79C219CE-1731-4B4F-9141-91DAF693F55F}"/>
-              </a:ext>
-            </a:extLst>
-          </p:cNvPr>
-          <p:cNvSpPr txBox="1"/>
-          <p:nvPr/>
-        </p:nvSpPr>
-        <p:spPr>
-          <a:xfrm>
-            <a:off x="455213" y="3780920"/>
-            <a:ext cx="6094674" cy="2585323"/>
-          </a:xfrm>
-          <a:prstGeom prst="rect">
-            <a:avLst/>
-          </a:prstGeom>
-          <a:noFill/>
-        </p:spPr>
-        <p:txBody>
-          <a:bodyPr wrap="square">
-            <a:spAutoFit/>
-          </a:bodyPr>
-          <a:lstStyle/>
-          <a:p>
-            <a:r>
-              <a:rPr lang="en-US" dirty="0"/>
-              <a:t>The goal of price differentiation, more commonly referred to in economic texts as price discrimination, is to find the optimal prices for separate customer segments or individual customers. Price optimization at the segment or customer level requires the creation of a demand model that takes customer or segment properties as parameters or the creation of a separate demand model for each segment. This can be achieved with the demand prediction methods that we have previously discussed.</a:t>
-            </a:r>
-            <a:endParaRPr lang="ru-RU" dirty="0"/>
-          </a:p>
-        </p:txBody>
-      </p:sp>
-      <p:pic>
-        <p:nvPicPr>
-          <p:cNvPr id="7" name="Рисунок 6">
-            <a:extLst>
-              <a:ext uri="{FF2B5EF4-FFF2-40B4-BE49-F238E27FC236}">
-                <a16:creationId xmlns:a16="http://schemas.microsoft.com/office/drawing/2014/main" id="{17F0FA6D-C6C0-4B8D-870C-8EAA9ECFE340}"/>
-              </a:ext>
-            </a:extLst>
-          </p:cNvPr>
-          <p:cNvPicPr>
-            <a:picLocks noChangeAspect="1"/>
-          </p:cNvPicPr>
-          <p:nvPr/>
-        </p:nvPicPr>
-        <p:blipFill>
-          <a:blip r:embed="rId2"/>
-          <a:stretch>
-            <a:fillRect/>
-          </a:stretch>
-        </p:blipFill>
-        <p:spPr>
-          <a:xfrm>
-            <a:off x="7269314" y="2662743"/>
-            <a:ext cx="3314700" cy="828675"/>
-          </a:xfrm>
-          <a:prstGeom prst="rect">
-            <a:avLst/>
-          </a:prstGeom>
-        </p:spPr>
-      </p:pic>
-      <p:pic>
-        <p:nvPicPr>
-          <p:cNvPr id="9" name="Рисунок 8">
-            <a:extLst>
-              <a:ext uri="{FF2B5EF4-FFF2-40B4-BE49-F238E27FC236}">
-                <a16:creationId xmlns:a16="http://schemas.microsoft.com/office/drawing/2014/main" id="{EE3A1A10-B686-44C8-A5AB-4A5AFBF3EBC6}"/>
-              </a:ext>
-            </a:extLst>
-          </p:cNvPr>
-          <p:cNvPicPr>
-            <a:picLocks noChangeAspect="1"/>
-          </p:cNvPicPr>
-          <p:nvPr/>
-        </p:nvPicPr>
-        <p:blipFill>
-          <a:blip r:embed="rId3"/>
-          <a:stretch>
-            <a:fillRect/>
-          </a:stretch>
-        </p:blipFill>
-        <p:spPr>
-          <a:xfrm>
-            <a:off x="7144536" y="3601650"/>
-            <a:ext cx="4295775" cy="1038225"/>
-          </a:xfrm>
-          <a:prstGeom prst="rect">
-            <a:avLst/>
-          </a:prstGeom>
-        </p:spPr>
-      </p:pic>
-    </p:spTree>
-    <p:extLst>
-      <p:ext uri="{BB962C8B-B14F-4D97-AF65-F5344CB8AC3E}">
-        <p14:creationId xmlns:p14="http://schemas.microsoft.com/office/powerpoint/2010/main" val="1873226210"/>
-      </p:ext>
-    </p:extLst>
-  </p:cSld>
-  <p:clrMapOvr>
-    <a:masterClrMapping/>
-  </p:clrMapOvr>
-</p:sld>
-</file>
-
 <file path=ppt/slides/slide6.xml><?xml version="1.0" encoding="utf-8"?>
 <p:sld xmlns:a="http://schemas.openxmlformats.org/drawingml/2006/main" xmlns:r="http://schemas.openxmlformats.org/officeDocument/2006/relationships" xmlns:p="http://schemas.openxmlformats.org/presentationml/2006/main">
   <p:cSld>
@@ -30968,1015 +30714,6 @@
 </p:sld>
 </file>
 
-<file path=ppt/slides/slide60.xml><?xml version="1.0" encoding="utf-8"?>
-<p:sld xmlns:a="http://schemas.openxmlformats.org/drawingml/2006/main" xmlns:r="http://schemas.openxmlformats.org/officeDocument/2006/relationships" xmlns:p="http://schemas.openxmlformats.org/presentationml/2006/main">
-  <p:cSld>
-    <p:spTree>
-      <p:nvGrpSpPr>
-        <p:cNvPr id="1" name=""/>
-        <p:cNvGrpSpPr/>
-        <p:nvPr/>
-      </p:nvGrpSpPr>
-      <p:grpSpPr>
-        <a:xfrm>
-          <a:off x="0" y="0"/>
-          <a:ext cx="0" cy="0"/>
-          <a:chOff x="0" y="0"/>
-          <a:chExt cx="0" cy="0"/>
-        </a:xfrm>
-      </p:grpSpPr>
-      <p:sp>
-        <p:nvSpPr>
-          <p:cNvPr id="2" name="Заголовок 1">
-            <a:extLst>
-              <a:ext uri="{FF2B5EF4-FFF2-40B4-BE49-F238E27FC236}">
-                <a16:creationId xmlns:a16="http://schemas.microsoft.com/office/drawing/2014/main" id="{DDEFB499-2587-49D0-811D-F35E0C1C208B}"/>
-              </a:ext>
-            </a:extLst>
-          </p:cNvPr>
-          <p:cNvSpPr>
-            <a:spLocks noGrp="1"/>
-          </p:cNvSpPr>
-          <p:nvPr>
-            <p:ph type="ctrTitle"/>
-          </p:nvPr>
-        </p:nvSpPr>
-        <p:spPr/>
-        <p:txBody>
-          <a:bodyPr/>
-          <a:lstStyle/>
-          <a:p>
-            <a:r>
-              <a:rPr lang="ru-RU" dirty="0"/>
-              <a:t>Отработанные</a:t>
-            </a:r>
-          </a:p>
-        </p:txBody>
-      </p:sp>
-      <p:sp>
-        <p:nvSpPr>
-          <p:cNvPr id="3" name="Подзаголовок 2">
-            <a:extLst>
-              <a:ext uri="{FF2B5EF4-FFF2-40B4-BE49-F238E27FC236}">
-                <a16:creationId xmlns:a16="http://schemas.microsoft.com/office/drawing/2014/main" id="{E06F02AC-77B4-4EA1-8300-73FC77DB42CE}"/>
-              </a:ext>
-            </a:extLst>
-          </p:cNvPr>
-          <p:cNvSpPr>
-            <a:spLocks noGrp="1"/>
-          </p:cNvSpPr>
-          <p:nvPr>
-            <p:ph type="subTitle" idx="1"/>
-          </p:nvPr>
-        </p:nvSpPr>
-        <p:spPr/>
-        <p:txBody>
-          <a:bodyPr/>
-          <a:lstStyle/>
-          <a:p>
-            <a:endParaRPr lang="ru-RU"/>
-          </a:p>
-        </p:txBody>
-      </p:sp>
-    </p:spTree>
-    <p:extLst>
-      <p:ext uri="{BB962C8B-B14F-4D97-AF65-F5344CB8AC3E}">
-        <p14:creationId xmlns:p14="http://schemas.microsoft.com/office/powerpoint/2010/main" val="3038482299"/>
-      </p:ext>
-    </p:extLst>
-  </p:cSld>
-  <p:clrMapOvr>
-    <a:masterClrMapping/>
-  </p:clrMapOvr>
-</p:sld>
-</file>
-
-<file path=ppt/slides/slide61.xml><?xml version="1.0" encoding="utf-8"?>
-<p:sld xmlns:a="http://schemas.openxmlformats.org/drawingml/2006/main" xmlns:r="http://schemas.openxmlformats.org/officeDocument/2006/relationships" xmlns:p="http://schemas.openxmlformats.org/presentationml/2006/main">
-  <p:cSld>
-    <p:spTree>
-      <p:nvGrpSpPr>
-        <p:cNvPr id="1" name=""/>
-        <p:cNvGrpSpPr/>
-        <p:nvPr/>
-      </p:nvGrpSpPr>
-      <p:grpSpPr>
-        <a:xfrm>
-          <a:off x="0" y="0"/>
-          <a:ext cx="0" cy="0"/>
-          <a:chOff x="0" y="0"/>
-          <a:chExt cx="0" cy="0"/>
-        </a:xfrm>
-      </p:grpSpPr>
-      <p:sp>
-        <p:nvSpPr>
-          <p:cNvPr id="3" name="TextBox 2">
-            <a:extLst>
-              <a:ext uri="{FF2B5EF4-FFF2-40B4-BE49-F238E27FC236}">
-                <a16:creationId xmlns:a16="http://schemas.microsoft.com/office/drawing/2014/main" id="{1DAFF55F-46BB-48D3-A57B-A10C814F07C5}"/>
-              </a:ext>
-            </a:extLst>
-          </p:cNvPr>
-          <p:cNvSpPr txBox="1"/>
-          <p:nvPr/>
-        </p:nvSpPr>
-        <p:spPr>
-          <a:xfrm>
-            <a:off x="590550" y="408712"/>
-            <a:ext cx="6096000" cy="1754326"/>
-          </a:xfrm>
-          <a:prstGeom prst="rect">
-            <a:avLst/>
-          </a:prstGeom>
-          <a:noFill/>
-        </p:spPr>
-        <p:txBody>
-          <a:bodyPr wrap="square">
-            <a:spAutoFit/>
-          </a:bodyPr>
-          <a:lstStyle/>
-          <a:p>
-            <a:r>
-              <a:rPr lang="ru-RU" dirty="0"/>
-              <a:t>Первое упоминание</a:t>
-            </a:r>
-            <a:br>
-              <a:rPr lang="ru-RU" dirty="0"/>
-            </a:br>
-            <a:r>
-              <a:rPr lang="en-US" dirty="0"/>
-              <a:t>The opportunity to automatically improve tactical price decisions was first recognized and seized by the airline industry at the beginning of the 1980s and can be partially attributed to the advancement of digital reservation systems that enabled dynamic and agile resource and price management.</a:t>
-            </a:r>
-            <a:endParaRPr lang="ru-RU" dirty="0"/>
-          </a:p>
-        </p:txBody>
-      </p:sp>
-      <p:sp>
-        <p:nvSpPr>
-          <p:cNvPr id="5" name="TextBox 4">
-            <a:extLst>
-              <a:ext uri="{FF2B5EF4-FFF2-40B4-BE49-F238E27FC236}">
-                <a16:creationId xmlns:a16="http://schemas.microsoft.com/office/drawing/2014/main" id="{204BE4FA-013C-4CD7-98A1-C8D26BEB7297}"/>
-              </a:ext>
-            </a:extLst>
-          </p:cNvPr>
-          <p:cNvSpPr txBox="1"/>
-          <p:nvPr/>
-        </p:nvSpPr>
-        <p:spPr>
-          <a:xfrm>
-            <a:off x="591876" y="2949647"/>
-            <a:ext cx="6094674" cy="923330"/>
-          </a:xfrm>
-          <a:prstGeom prst="rect">
-            <a:avLst/>
-          </a:prstGeom>
-          <a:noFill/>
-        </p:spPr>
-        <p:txBody>
-          <a:bodyPr wrap="square">
-            <a:spAutoFit/>
-          </a:bodyPr>
-          <a:lstStyle/>
-          <a:p>
-            <a:r>
-              <a:rPr lang="ru-RU" dirty="0"/>
-              <a:t>Создание новых профессии </a:t>
-            </a:r>
-            <a:br>
-              <a:rPr lang="ru-RU" dirty="0"/>
-            </a:br>
-            <a:r>
-              <a:rPr lang="en-US" dirty="0"/>
-              <a:t>This new, truly algorithmic, approach, commonly referred to as revenue management or yield management</a:t>
-            </a:r>
-            <a:endParaRPr lang="ru-RU" dirty="0"/>
-          </a:p>
-        </p:txBody>
-      </p:sp>
-      <p:sp>
-        <p:nvSpPr>
-          <p:cNvPr id="7" name="TextBox 6">
-            <a:extLst>
-              <a:ext uri="{FF2B5EF4-FFF2-40B4-BE49-F238E27FC236}">
-                <a16:creationId xmlns:a16="http://schemas.microsoft.com/office/drawing/2014/main" id="{52DCEF84-1823-48DB-8960-E4D41363374C}"/>
-              </a:ext>
-            </a:extLst>
-          </p:cNvPr>
-          <p:cNvSpPr txBox="1"/>
-          <p:nvPr/>
-        </p:nvSpPr>
-        <p:spPr>
-          <a:xfrm>
-            <a:off x="591876" y="4496622"/>
-            <a:ext cx="6094674" cy="1477328"/>
-          </a:xfrm>
-          <a:prstGeom prst="rect">
-            <a:avLst/>
-          </a:prstGeom>
-          <a:noFill/>
-        </p:spPr>
-        <p:txBody>
-          <a:bodyPr wrap="square">
-            <a:spAutoFit/>
-          </a:bodyPr>
-          <a:lstStyle/>
-          <a:p>
-            <a:r>
-              <a:rPr lang="ru-RU" dirty="0"/>
-              <a:t>Применяется для</a:t>
-            </a:r>
-            <a:br>
-              <a:rPr lang="ru-RU" dirty="0"/>
-            </a:br>
-            <a:r>
-              <a:rPr lang="en-US" dirty="0"/>
-              <a:t>promotions and advertisements. Price management methods can be used both to optimize discount values of promotions and to price advertising and media resources sold to service clients</a:t>
-            </a:r>
-            <a:endParaRPr lang="ru-RU" dirty="0"/>
-          </a:p>
-        </p:txBody>
-      </p:sp>
-    </p:spTree>
-    <p:extLst>
-      <p:ext uri="{BB962C8B-B14F-4D97-AF65-F5344CB8AC3E}">
-        <p14:creationId xmlns:p14="http://schemas.microsoft.com/office/powerpoint/2010/main" val="1705572069"/>
-      </p:ext>
-    </p:extLst>
-  </p:cSld>
-  <p:clrMapOvr>
-    <a:masterClrMapping/>
-  </p:clrMapOvr>
-</p:sld>
-</file>
-
-<file path=ppt/slides/slide62.xml><?xml version="1.0" encoding="utf-8"?>
-<p:sld xmlns:a="http://schemas.openxmlformats.org/drawingml/2006/main" xmlns:r="http://schemas.openxmlformats.org/officeDocument/2006/relationships" xmlns:p="http://schemas.openxmlformats.org/presentationml/2006/main">
-  <p:cSld>
-    <p:spTree>
-      <p:nvGrpSpPr>
-        <p:cNvPr id="1" name=""/>
-        <p:cNvGrpSpPr/>
-        <p:nvPr/>
-      </p:nvGrpSpPr>
-      <p:grpSpPr>
-        <a:xfrm>
-          <a:off x="0" y="0"/>
-          <a:ext cx="0" cy="0"/>
-          <a:chOff x="0" y="0"/>
-          <a:chExt cx="0" cy="0"/>
-        </a:xfrm>
-      </p:grpSpPr>
-      <p:pic>
-        <p:nvPicPr>
-          <p:cNvPr id="4" name="Рисунок 3">
-            <a:extLst>
-              <a:ext uri="{FF2B5EF4-FFF2-40B4-BE49-F238E27FC236}">
-                <a16:creationId xmlns:a16="http://schemas.microsoft.com/office/drawing/2014/main" id="{92DFDBE0-2592-42D7-9974-C2AF42D6376A}"/>
-              </a:ext>
-            </a:extLst>
-          </p:cNvPr>
-          <p:cNvPicPr>
-            <a:picLocks noChangeAspect="1"/>
-          </p:cNvPicPr>
-          <p:nvPr/>
-        </p:nvPicPr>
-        <p:blipFill>
-          <a:blip r:embed="rId2"/>
-          <a:stretch>
-            <a:fillRect/>
-          </a:stretch>
-        </p:blipFill>
-        <p:spPr>
-          <a:xfrm>
-            <a:off x="911377" y="643475"/>
-            <a:ext cx="3228975" cy="704850"/>
-          </a:xfrm>
-          <a:prstGeom prst="rect">
-            <a:avLst/>
-          </a:prstGeom>
-        </p:spPr>
-      </p:pic>
-      <p:sp>
-        <p:nvSpPr>
-          <p:cNvPr id="8" name="TextBox 7">
-            <a:extLst>
-              <a:ext uri="{FF2B5EF4-FFF2-40B4-BE49-F238E27FC236}">
-                <a16:creationId xmlns:a16="http://schemas.microsoft.com/office/drawing/2014/main" id="{EC5B9773-09B2-4CC9-9A38-86355A822D8A}"/>
-              </a:ext>
-            </a:extLst>
-          </p:cNvPr>
-          <p:cNvSpPr txBox="1"/>
-          <p:nvPr/>
-        </p:nvSpPr>
-        <p:spPr>
-          <a:xfrm>
-            <a:off x="911377" y="2133787"/>
-            <a:ext cx="6094674" cy="923330"/>
-          </a:xfrm>
-          <a:prstGeom prst="rect">
-            <a:avLst/>
-          </a:prstGeom>
-          <a:noFill/>
-        </p:spPr>
-        <p:txBody>
-          <a:bodyPr wrap="square">
-            <a:spAutoFit/>
-          </a:bodyPr>
-          <a:lstStyle/>
-          <a:p>
-            <a:r>
-              <a:rPr lang="ru-RU" dirty="0"/>
-              <a:t>Цена может быть сложена из более сложных </a:t>
-            </a:r>
-            <a:r>
-              <a:rPr lang="ru-RU" dirty="0" err="1"/>
-              <a:t>варианто</a:t>
-            </a:r>
-            <a:endParaRPr lang="en-US" dirty="0"/>
-          </a:p>
-          <a:p>
-            <a:r>
-              <a:rPr lang="en-US" dirty="0"/>
-              <a:t>or many dimensions, such as customer segments, store locations, seasons, classes of service, and so forth</a:t>
-            </a:r>
-            <a:endParaRPr lang="ru-RU" dirty="0"/>
-          </a:p>
-        </p:txBody>
-      </p:sp>
-      <p:sp>
-        <p:nvSpPr>
-          <p:cNvPr id="10" name="TextBox 9">
-            <a:extLst>
-              <a:ext uri="{FF2B5EF4-FFF2-40B4-BE49-F238E27FC236}">
-                <a16:creationId xmlns:a16="http://schemas.microsoft.com/office/drawing/2014/main" id="{730C906A-934A-407F-969E-D06AB56BEBA6}"/>
-              </a:ext>
-            </a:extLst>
-          </p:cNvPr>
-          <p:cNvSpPr txBox="1"/>
-          <p:nvPr/>
-        </p:nvSpPr>
-        <p:spPr>
-          <a:xfrm>
-            <a:off x="911377" y="3951309"/>
-            <a:ext cx="6094674" cy="923330"/>
-          </a:xfrm>
-          <a:prstGeom prst="rect">
-            <a:avLst/>
-          </a:prstGeom>
-          <a:noFill/>
-        </p:spPr>
-        <p:txBody>
-          <a:bodyPr wrap="square">
-            <a:spAutoFit/>
-          </a:bodyPr>
-          <a:lstStyle/>
-          <a:p>
-            <a:r>
-              <a:rPr lang="en-US" dirty="0"/>
-              <a:t>The demand is a function of price and other variables that range from competitor prices to weather. In the most basic case, the revenue management system can optimize prices</a:t>
-            </a:r>
-            <a:endParaRPr lang="ru-RU" dirty="0"/>
-          </a:p>
-        </p:txBody>
-      </p:sp>
-      <p:pic>
-        <p:nvPicPr>
-          <p:cNvPr id="14" name="Рисунок 13">
-            <a:extLst>
-              <a:ext uri="{FF2B5EF4-FFF2-40B4-BE49-F238E27FC236}">
-                <a16:creationId xmlns:a16="http://schemas.microsoft.com/office/drawing/2014/main" id="{9BC98D25-A3F1-41DC-9FDB-C8AB5313504F}"/>
-              </a:ext>
-            </a:extLst>
-          </p:cNvPr>
-          <p:cNvPicPr>
-            <a:picLocks noChangeAspect="1"/>
-          </p:cNvPicPr>
-          <p:nvPr/>
-        </p:nvPicPr>
-        <p:blipFill>
-          <a:blip r:embed="rId3"/>
-          <a:stretch>
-            <a:fillRect/>
-          </a:stretch>
-        </p:blipFill>
-        <p:spPr>
-          <a:xfrm>
-            <a:off x="1011473" y="5062658"/>
-            <a:ext cx="4953000" cy="828675"/>
-          </a:xfrm>
-          <a:prstGeom prst="rect">
-            <a:avLst/>
-          </a:prstGeom>
-        </p:spPr>
-      </p:pic>
-      <p:sp>
-        <p:nvSpPr>
-          <p:cNvPr id="16" name="TextBox 15">
-            <a:extLst>
-              <a:ext uri="{FF2B5EF4-FFF2-40B4-BE49-F238E27FC236}">
-                <a16:creationId xmlns:a16="http://schemas.microsoft.com/office/drawing/2014/main" id="{F50B3BA1-3D03-4AE6-9ED0-3F3BE04D69FF}"/>
-              </a:ext>
-            </a:extLst>
-          </p:cNvPr>
-          <p:cNvSpPr txBox="1"/>
-          <p:nvPr/>
-        </p:nvSpPr>
-        <p:spPr>
-          <a:xfrm>
-            <a:off x="6704607" y="1966150"/>
-            <a:ext cx="6448508" cy="3970318"/>
-          </a:xfrm>
-          <a:prstGeom prst="rect">
-            <a:avLst/>
-          </a:prstGeom>
-          <a:noFill/>
-        </p:spPr>
-        <p:txBody>
-          <a:bodyPr wrap="square">
-            <a:spAutoFit/>
-          </a:bodyPr>
-          <a:lstStyle/>
-          <a:p>
-            <a:r>
-              <a:rPr lang="en-US" dirty="0"/>
-              <a:t>One notable example is stock level constraint – if a seller has a limited stock of a product, the quantity sold Q is the minimum of the demand and the stock level. </a:t>
-            </a:r>
-            <a:br>
-              <a:rPr lang="ru-RU" dirty="0"/>
-            </a:br>
-            <a:br>
-              <a:rPr lang="ru-RU" dirty="0"/>
-            </a:br>
-            <a:r>
-              <a:rPr lang="en-US" dirty="0"/>
-              <a:t>– Another important factor is dependent demands – because products in one category are often substitutable, a change in the price of one product can make customers switch to another product. This makes the optimization problem more complex because product prices have to be optimized jointly, not individually</a:t>
-            </a:r>
-            <a:br>
-              <a:rPr lang="ru-RU" dirty="0"/>
-            </a:br>
-            <a:br>
-              <a:rPr lang="ru-RU" dirty="0"/>
-            </a:br>
-            <a:r>
-              <a:rPr lang="en-US" dirty="0"/>
-              <a:t>Finally, a seller can pursue additional goals that translate into additional constraints. For example, a fashion retailer can aim at selling out the inventory by the end of the season.</a:t>
-            </a:r>
-            <a:endParaRPr lang="ru-RU" dirty="0"/>
-          </a:p>
-        </p:txBody>
-      </p:sp>
-    </p:spTree>
-    <p:extLst>
-      <p:ext uri="{BB962C8B-B14F-4D97-AF65-F5344CB8AC3E}">
-        <p14:creationId xmlns:p14="http://schemas.microsoft.com/office/powerpoint/2010/main" val="3232740647"/>
-      </p:ext>
-    </p:extLst>
-  </p:cSld>
-  <p:clrMapOvr>
-    <a:masterClrMapping/>
-  </p:clrMapOvr>
-</p:sld>
-</file>
-
-<file path=ppt/slides/slide63.xml><?xml version="1.0" encoding="utf-8"?>
-<p:sld xmlns:a="http://schemas.openxmlformats.org/drawingml/2006/main" xmlns:r="http://schemas.openxmlformats.org/officeDocument/2006/relationships" xmlns:p="http://schemas.openxmlformats.org/presentationml/2006/main">
-  <p:cSld>
-    <p:spTree>
-      <p:nvGrpSpPr>
-        <p:cNvPr id="1" name=""/>
-        <p:cNvGrpSpPr/>
-        <p:nvPr/>
-      </p:nvGrpSpPr>
-      <p:grpSpPr>
-        <a:xfrm>
-          <a:off x="0" y="0"/>
-          <a:ext cx="0" cy="0"/>
-          <a:chOff x="0" y="0"/>
-          <a:chExt cx="0" cy="0"/>
-        </a:xfrm>
-      </p:grpSpPr>
-      <p:sp>
-        <p:nvSpPr>
-          <p:cNvPr id="6" name="TextBox 5">
-            <a:extLst>
-              <a:ext uri="{FF2B5EF4-FFF2-40B4-BE49-F238E27FC236}">
-                <a16:creationId xmlns:a16="http://schemas.microsoft.com/office/drawing/2014/main" id="{A9000424-1DA6-4F95-BDCC-769A9FE6EC4A}"/>
-              </a:ext>
-            </a:extLst>
-          </p:cNvPr>
-          <p:cNvSpPr txBox="1"/>
-          <p:nvPr/>
-        </p:nvSpPr>
-        <p:spPr>
-          <a:xfrm>
-            <a:off x="630141" y="715127"/>
-            <a:ext cx="6094674" cy="923330"/>
-          </a:xfrm>
-          <a:prstGeom prst="rect">
-            <a:avLst/>
-          </a:prstGeom>
-          <a:noFill/>
-        </p:spPr>
-        <p:txBody>
-          <a:bodyPr wrap="square">
-            <a:spAutoFit/>
-          </a:bodyPr>
-          <a:lstStyle/>
-          <a:p>
-            <a:r>
-              <a:rPr lang="en-US" dirty="0"/>
-              <a:t>One of the reasons is that the price determines how the product or service is positioned on the market and perceived by customer</a:t>
-            </a:r>
-            <a:endParaRPr lang="ru-RU" dirty="0"/>
-          </a:p>
-        </p:txBody>
-      </p:sp>
-      <p:pic>
-        <p:nvPicPr>
-          <p:cNvPr id="8" name="Рисунок 7">
-            <a:extLst>
-              <a:ext uri="{FF2B5EF4-FFF2-40B4-BE49-F238E27FC236}">
-                <a16:creationId xmlns:a16="http://schemas.microsoft.com/office/drawing/2014/main" id="{4A684F44-417A-4889-805F-FA342E8AAF0A}"/>
-              </a:ext>
-            </a:extLst>
-          </p:cNvPr>
-          <p:cNvPicPr>
-            <a:picLocks noChangeAspect="1"/>
-          </p:cNvPicPr>
-          <p:nvPr/>
-        </p:nvPicPr>
-        <p:blipFill>
-          <a:blip r:embed="rId2"/>
-          <a:stretch>
-            <a:fillRect/>
-          </a:stretch>
-        </p:blipFill>
-        <p:spPr>
-          <a:xfrm>
-            <a:off x="955936" y="1940283"/>
-            <a:ext cx="8753475" cy="3390900"/>
-          </a:xfrm>
-          <a:prstGeom prst="rect">
-            <a:avLst/>
-          </a:prstGeom>
-        </p:spPr>
-      </p:pic>
-      <p:sp>
-        <p:nvSpPr>
-          <p:cNvPr id="10" name="TextBox 9">
-            <a:extLst>
-              <a:ext uri="{FF2B5EF4-FFF2-40B4-BE49-F238E27FC236}">
-                <a16:creationId xmlns:a16="http://schemas.microsoft.com/office/drawing/2014/main" id="{69E10A1B-418E-415E-BF74-E1C879E591AF}"/>
-              </a:ext>
-            </a:extLst>
-          </p:cNvPr>
-          <p:cNvSpPr txBox="1"/>
-          <p:nvPr/>
-        </p:nvSpPr>
-        <p:spPr>
-          <a:xfrm>
-            <a:off x="5917759" y="5265710"/>
-            <a:ext cx="6094674" cy="1754326"/>
-          </a:xfrm>
-          <a:prstGeom prst="rect">
-            <a:avLst/>
-          </a:prstGeom>
-          <a:noFill/>
-        </p:spPr>
-        <p:txBody>
-          <a:bodyPr wrap="square">
-            <a:spAutoFit/>
-          </a:bodyPr>
-          <a:lstStyle/>
-          <a:p>
-            <a:r>
-              <a:rPr lang="en-US" dirty="0"/>
-              <a:t>For example, a study by McKinsey and Associates analyzes the profits of 2,463 companies and comes to the conclusion that a 1% change in price results in 11.1% profit improvement, whereas a 1% improvement in sales volume, variable cost, or fixed costs yields improvements of 3.3%, 7.8%, and 2.3%, </a:t>
-            </a:r>
-            <a:r>
-              <a:rPr lang="en-US" dirty="0" err="1"/>
-              <a:t>respectiv</a:t>
-            </a:r>
-            <a:endParaRPr lang="ru-RU" dirty="0"/>
-          </a:p>
-        </p:txBody>
-      </p:sp>
-    </p:spTree>
-    <p:extLst>
-      <p:ext uri="{BB962C8B-B14F-4D97-AF65-F5344CB8AC3E}">
-        <p14:creationId xmlns:p14="http://schemas.microsoft.com/office/powerpoint/2010/main" val="2449847144"/>
-      </p:ext>
-    </p:extLst>
-  </p:cSld>
-  <p:clrMapOvr>
-    <a:masterClrMapping/>
-  </p:clrMapOvr>
-</p:sld>
-</file>
-
-<file path=ppt/slides/slide64.xml><?xml version="1.0" encoding="utf-8"?>
-<p:sld xmlns:a="http://schemas.openxmlformats.org/drawingml/2006/main" xmlns:r="http://schemas.openxmlformats.org/officeDocument/2006/relationships" xmlns:p="http://schemas.openxmlformats.org/presentationml/2006/main">
-  <p:cSld>
-    <p:spTree>
-      <p:nvGrpSpPr>
-        <p:cNvPr id="1" name=""/>
-        <p:cNvGrpSpPr/>
-        <p:nvPr/>
-      </p:nvGrpSpPr>
-      <p:grpSpPr>
-        <a:xfrm>
-          <a:off x="0" y="0"/>
-          <a:ext cx="0" cy="0"/>
-          <a:chOff x="0" y="0"/>
-          <a:chExt cx="0" cy="0"/>
-        </a:xfrm>
-      </p:grpSpPr>
-      <p:sp>
-        <p:nvSpPr>
-          <p:cNvPr id="7" name="TextBox 6">
-            <a:extLst>
-              <a:ext uri="{FF2B5EF4-FFF2-40B4-BE49-F238E27FC236}">
-                <a16:creationId xmlns:a16="http://schemas.microsoft.com/office/drawing/2014/main" id="{9FB82A3F-A5B7-4D36-976E-8FE044EA5C97}"/>
-              </a:ext>
-            </a:extLst>
-          </p:cNvPr>
-          <p:cNvSpPr txBox="1"/>
-          <p:nvPr/>
-        </p:nvSpPr>
-        <p:spPr>
-          <a:xfrm>
-            <a:off x="351845" y="204214"/>
-            <a:ext cx="6094674" cy="1754326"/>
-          </a:xfrm>
-          <a:prstGeom prst="rect">
-            <a:avLst/>
-          </a:prstGeom>
-          <a:noFill/>
-        </p:spPr>
-        <p:txBody>
-          <a:bodyPr wrap="square">
-            <a:spAutoFit/>
-          </a:bodyPr>
-          <a:lstStyle/>
-          <a:p>
-            <a:r>
-              <a:rPr lang="en-US" dirty="0"/>
-              <a:t>Economic theory argues that price is determined by the interplay of supply and demand on the market. Although every product or service has its production cost, which can sometimes be considered as a “fair” baseline for the price, pricing requires us to delve into the valuation logic of both the seller and the buyer</a:t>
-            </a:r>
-            <a:endParaRPr lang="ru-RU" dirty="0"/>
-          </a:p>
-        </p:txBody>
-      </p:sp>
-      <p:pic>
-        <p:nvPicPr>
-          <p:cNvPr id="4" name="Рисунок 3">
-            <a:extLst>
-              <a:ext uri="{FF2B5EF4-FFF2-40B4-BE49-F238E27FC236}">
-                <a16:creationId xmlns:a16="http://schemas.microsoft.com/office/drawing/2014/main" id="{347F6D7D-AEC0-4CDC-9A2A-05D4EECEC8B8}"/>
-              </a:ext>
-            </a:extLst>
-          </p:cNvPr>
-          <p:cNvPicPr>
-            <a:picLocks noChangeAspect="1"/>
-          </p:cNvPicPr>
-          <p:nvPr/>
-        </p:nvPicPr>
-        <p:blipFill>
-          <a:blip r:embed="rId2"/>
-          <a:stretch>
-            <a:fillRect/>
-          </a:stretch>
-        </p:blipFill>
-        <p:spPr>
-          <a:xfrm>
-            <a:off x="2203920" y="2233489"/>
-            <a:ext cx="8324850" cy="4076700"/>
-          </a:xfrm>
-          <a:prstGeom prst="rect">
-            <a:avLst/>
-          </a:prstGeom>
-        </p:spPr>
-      </p:pic>
-    </p:spTree>
-    <p:extLst>
-      <p:ext uri="{BB962C8B-B14F-4D97-AF65-F5344CB8AC3E}">
-        <p14:creationId xmlns:p14="http://schemas.microsoft.com/office/powerpoint/2010/main" val="3680343173"/>
-      </p:ext>
-    </p:extLst>
-  </p:cSld>
-  <p:clrMapOvr>
-    <a:masterClrMapping/>
-  </p:clrMapOvr>
-</p:sld>
-</file>
-
-<file path=ppt/slides/slide65.xml><?xml version="1.0" encoding="utf-8"?>
-<p:sld xmlns:a="http://schemas.openxmlformats.org/drawingml/2006/main" xmlns:r="http://schemas.openxmlformats.org/officeDocument/2006/relationships" xmlns:p="http://schemas.openxmlformats.org/presentationml/2006/main">
-  <p:cSld>
-    <p:spTree>
-      <p:nvGrpSpPr>
-        <p:cNvPr id="1" name=""/>
-        <p:cNvGrpSpPr/>
-        <p:nvPr/>
-      </p:nvGrpSpPr>
-      <p:grpSpPr>
-        <a:xfrm>
-          <a:off x="0" y="0"/>
-          <a:ext cx="0" cy="0"/>
-          <a:chOff x="0" y="0"/>
-          <a:chExt cx="0" cy="0"/>
-        </a:xfrm>
-      </p:grpSpPr>
-      <p:sp>
-        <p:nvSpPr>
-          <p:cNvPr id="5" name="TextBox 4">
-            <a:extLst>
-              <a:ext uri="{FF2B5EF4-FFF2-40B4-BE49-F238E27FC236}">
-                <a16:creationId xmlns:a16="http://schemas.microsoft.com/office/drawing/2014/main" id="{8331A133-9A59-42FE-8753-A8AFB13BD626}"/>
-              </a:ext>
-            </a:extLst>
-          </p:cNvPr>
-          <p:cNvSpPr txBox="1"/>
-          <p:nvPr/>
-        </p:nvSpPr>
-        <p:spPr>
-          <a:xfrm>
-            <a:off x="1465028" y="949044"/>
-            <a:ext cx="6094674" cy="369332"/>
-          </a:xfrm>
-          <a:prstGeom prst="rect">
-            <a:avLst/>
-          </a:prstGeom>
-          <a:noFill/>
-        </p:spPr>
-        <p:txBody>
-          <a:bodyPr wrap="square">
-            <a:spAutoFit/>
-          </a:bodyPr>
-          <a:lstStyle/>
-          <a:p>
-            <a:r>
-              <a:rPr lang="en-US" dirty="0" err="1"/>
-              <a:t>Willegnes</a:t>
-            </a:r>
-            <a:r>
-              <a:rPr lang="en-US" dirty="0"/>
-              <a:t> to pay </a:t>
-            </a:r>
-            <a:r>
-              <a:rPr lang="ru-RU" dirty="0"/>
-              <a:t>расчет</a:t>
-            </a:r>
-          </a:p>
-        </p:txBody>
-      </p:sp>
-      <p:sp>
-        <p:nvSpPr>
-          <p:cNvPr id="8" name="TextBox 7">
-            <a:extLst>
-              <a:ext uri="{FF2B5EF4-FFF2-40B4-BE49-F238E27FC236}">
-                <a16:creationId xmlns:a16="http://schemas.microsoft.com/office/drawing/2014/main" id="{0B479214-71C9-4BC9-9088-3E81E881E1E2}"/>
-              </a:ext>
-            </a:extLst>
-          </p:cNvPr>
-          <p:cNvSpPr txBox="1"/>
-          <p:nvPr/>
-        </p:nvSpPr>
-        <p:spPr>
-          <a:xfrm>
-            <a:off x="1099268" y="2343849"/>
-            <a:ext cx="6094674" cy="369332"/>
-          </a:xfrm>
-          <a:prstGeom prst="rect">
-            <a:avLst/>
-          </a:prstGeom>
-          <a:noFill/>
-        </p:spPr>
-        <p:txBody>
-          <a:bodyPr wrap="square">
-            <a:spAutoFit/>
-          </a:bodyPr>
-          <a:lstStyle/>
-          <a:p>
-            <a:r>
-              <a:rPr lang="ru-RU" dirty="0"/>
-              <a:t>https://github.com/jbonfardeci/conjoint-analysis</a:t>
-            </a:r>
-          </a:p>
-        </p:txBody>
-      </p:sp>
-      <p:sp>
-        <p:nvSpPr>
-          <p:cNvPr id="6" name="TextBox 5">
-            <a:extLst>
-              <a:ext uri="{FF2B5EF4-FFF2-40B4-BE49-F238E27FC236}">
-                <a16:creationId xmlns:a16="http://schemas.microsoft.com/office/drawing/2014/main" id="{66A4766E-9F39-47BC-B25C-B0ECE3D0D490}"/>
-              </a:ext>
-            </a:extLst>
-          </p:cNvPr>
-          <p:cNvSpPr txBox="1"/>
-          <p:nvPr/>
-        </p:nvSpPr>
-        <p:spPr>
-          <a:xfrm>
-            <a:off x="5854148" y="139698"/>
-            <a:ext cx="6094674" cy="6463308"/>
-          </a:xfrm>
-          <a:prstGeom prst="rect">
-            <a:avLst/>
-          </a:prstGeom>
-          <a:noFill/>
-        </p:spPr>
-        <p:txBody>
-          <a:bodyPr wrap="square">
-            <a:spAutoFit/>
-          </a:bodyPr>
-          <a:lstStyle/>
-          <a:p>
-            <a:r>
-              <a:rPr lang="en-US" dirty="0"/>
-              <a:t>point of reference The potential gains and losses associated with a deal are evaluated by comparison with some point of reference. The point of reference is based on past experience (e.g., the last observed price for a given or similar product) or judgement and tends to be persistent once it is set. diminishing sensitivity Changes in gains or losses are sharply perceived in the zone around the reference point but become less noticeable as the magnitudes of gain or loss increase. The difference between $9 and $19 discounts appears to be substantial, but the same ten dollar difference is not perceived equally valuable for discounts of $719 and $729. loss aversion Losses are generally perceived more sharply than gains of the same magnitude. A loss of $100 is typically perceived more important than a gain of $100. risk aversion for gains Guaranteed gains are preferred to opportunistic gains of the same magnitude. A prospect who has the choice of getting a guaranteed $450 or of winning $1000 with a 50% chance (and a 50% chance of winning nothing) generally prefers the first option. risk seeking for losses In contrast to gains, potential losses are preferred to guaranteed losses. A prospect who has the choice of definitely losing $450 or of losing $1000 with a 50% chance (and a 50% chance of losing nothing) generally prefers the second alternative. </a:t>
-            </a:r>
-            <a:endParaRPr lang="ru-RU" dirty="0"/>
-          </a:p>
-        </p:txBody>
-      </p:sp>
-    </p:spTree>
-    <p:extLst>
-      <p:ext uri="{BB962C8B-B14F-4D97-AF65-F5344CB8AC3E}">
-        <p14:creationId xmlns:p14="http://schemas.microsoft.com/office/powerpoint/2010/main" val="1580889158"/>
-      </p:ext>
-    </p:extLst>
-  </p:cSld>
-  <p:clrMapOvr>
-    <a:masterClrMapping/>
-  </p:clrMapOvr>
-</p:sld>
-</file>
-
-<file path=ppt/slides/slide66.xml><?xml version="1.0" encoding="utf-8"?>
-<p:sld xmlns:a="http://schemas.openxmlformats.org/drawingml/2006/main" xmlns:r="http://schemas.openxmlformats.org/officeDocument/2006/relationships" xmlns:p="http://schemas.openxmlformats.org/presentationml/2006/main">
-  <p:cSld>
-    <p:spTree>
-      <p:nvGrpSpPr>
-        <p:cNvPr id="1" name=""/>
-        <p:cNvGrpSpPr/>
-        <p:nvPr/>
-      </p:nvGrpSpPr>
-      <p:grpSpPr>
-        <a:xfrm>
-          <a:off x="0" y="0"/>
-          <a:ext cx="0" cy="0"/>
-          <a:chOff x="0" y="0"/>
-          <a:chExt cx="0" cy="0"/>
-        </a:xfrm>
-      </p:grpSpPr>
-      <p:sp>
-        <p:nvSpPr>
-          <p:cNvPr id="4" name="TextBox 3">
-            <a:extLst>
-              <a:ext uri="{FF2B5EF4-FFF2-40B4-BE49-F238E27FC236}">
-                <a16:creationId xmlns:a16="http://schemas.microsoft.com/office/drawing/2014/main" id="{E43E08A0-C5D4-4E44-8877-FA32A9D0D131}"/>
-              </a:ext>
-            </a:extLst>
-          </p:cNvPr>
-          <p:cNvSpPr txBox="1"/>
-          <p:nvPr/>
-        </p:nvSpPr>
-        <p:spPr>
-          <a:xfrm>
-            <a:off x="463164" y="444783"/>
-            <a:ext cx="6094674" cy="923330"/>
-          </a:xfrm>
-          <a:prstGeom prst="rect">
-            <a:avLst/>
-          </a:prstGeom>
-          <a:noFill/>
-        </p:spPr>
-        <p:txBody>
-          <a:bodyPr wrap="square">
-            <a:spAutoFit/>
-          </a:bodyPr>
-          <a:lstStyle/>
-          <a:p>
-            <a:r>
-              <a:rPr lang="en-US" dirty="0"/>
-              <a:t>Utility, value exchange models, and other valuation methods help us to predict the expected willingness to pay for a given product</a:t>
-            </a:r>
-            <a:endParaRPr lang="ru-RU" dirty="0"/>
-          </a:p>
-        </p:txBody>
-      </p:sp>
-      <p:pic>
-        <p:nvPicPr>
-          <p:cNvPr id="6" name="Рисунок 5">
-            <a:extLst>
-              <a:ext uri="{FF2B5EF4-FFF2-40B4-BE49-F238E27FC236}">
-                <a16:creationId xmlns:a16="http://schemas.microsoft.com/office/drawing/2014/main" id="{72ED4647-1FAD-4E1A-AE40-4F57C54C5339}"/>
-              </a:ext>
-            </a:extLst>
-          </p:cNvPr>
-          <p:cNvPicPr>
-            <a:picLocks noChangeAspect="1"/>
-          </p:cNvPicPr>
-          <p:nvPr/>
-        </p:nvPicPr>
-        <p:blipFill>
-          <a:blip r:embed="rId2"/>
-          <a:stretch>
-            <a:fillRect/>
-          </a:stretch>
-        </p:blipFill>
-        <p:spPr>
-          <a:xfrm>
-            <a:off x="629767" y="1887358"/>
-            <a:ext cx="3076575" cy="1047750"/>
-          </a:xfrm>
-          <a:prstGeom prst="rect">
-            <a:avLst/>
-          </a:prstGeom>
-        </p:spPr>
-      </p:pic>
-      <p:sp>
-        <p:nvSpPr>
-          <p:cNvPr id="9" name="TextBox 8">
-            <a:extLst>
-              <a:ext uri="{FF2B5EF4-FFF2-40B4-BE49-F238E27FC236}">
-                <a16:creationId xmlns:a16="http://schemas.microsoft.com/office/drawing/2014/main" id="{6ADB151D-310B-47A9-8693-5AE48FD92F92}"/>
-              </a:ext>
-            </a:extLst>
-          </p:cNvPr>
-          <p:cNvSpPr txBox="1"/>
-          <p:nvPr/>
-        </p:nvSpPr>
-        <p:spPr>
-          <a:xfrm>
-            <a:off x="534726" y="3559665"/>
-            <a:ext cx="6094674" cy="1754326"/>
-          </a:xfrm>
-          <a:prstGeom prst="rect">
-            <a:avLst/>
-          </a:prstGeom>
-          <a:noFill/>
-        </p:spPr>
-        <p:txBody>
-          <a:bodyPr wrap="square">
-            <a:spAutoFit/>
-          </a:bodyPr>
-          <a:lstStyle/>
-          <a:p>
-            <a:r>
-              <a:rPr lang="en-US" dirty="0"/>
-              <a:t>The demand function can be viewed not only as an aggregate market metric determined by variance of willingness to pay but also as a model of a single customer behavior, in the sense that a given consumer might be willing to buy different quantities of product at different prices. In the latter case, willingness to pay should be considered as willingness to pay per unit</a:t>
-            </a:r>
-            <a:endParaRPr lang="ru-RU" dirty="0"/>
-          </a:p>
-        </p:txBody>
-      </p:sp>
-      <p:pic>
-        <p:nvPicPr>
-          <p:cNvPr id="11" name="Рисунок 10">
-            <a:extLst>
-              <a:ext uri="{FF2B5EF4-FFF2-40B4-BE49-F238E27FC236}">
-                <a16:creationId xmlns:a16="http://schemas.microsoft.com/office/drawing/2014/main" id="{7FFB8A2D-75E2-4636-8CE3-F08EB305ECEA}"/>
-              </a:ext>
-            </a:extLst>
-          </p:cNvPr>
-          <p:cNvPicPr>
-            <a:picLocks noChangeAspect="1"/>
-          </p:cNvPicPr>
-          <p:nvPr/>
-        </p:nvPicPr>
-        <p:blipFill>
-          <a:blip r:embed="rId3"/>
-          <a:stretch>
-            <a:fillRect/>
-          </a:stretch>
-        </p:blipFill>
-        <p:spPr>
-          <a:xfrm>
-            <a:off x="5132860" y="1973083"/>
-            <a:ext cx="3352800" cy="876300"/>
-          </a:xfrm>
-          <a:prstGeom prst="rect">
-            <a:avLst/>
-          </a:prstGeom>
-        </p:spPr>
-      </p:pic>
-    </p:spTree>
-    <p:extLst>
-      <p:ext uri="{BB962C8B-B14F-4D97-AF65-F5344CB8AC3E}">
-        <p14:creationId xmlns:p14="http://schemas.microsoft.com/office/powerpoint/2010/main" val="1713093290"/>
-      </p:ext>
-    </p:extLst>
-  </p:cSld>
-  <p:clrMapOvr>
-    <a:masterClrMapping/>
-  </p:clrMapOvr>
-</p:sld>
-</file>
-
 <file path=ppt/slides/slide7.xml><?xml version="1.0" encoding="utf-8"?>
 <p:sld xmlns:a="http://schemas.openxmlformats.org/drawingml/2006/main" xmlns:r="http://schemas.openxmlformats.org/officeDocument/2006/relationships" xmlns:p="http://schemas.openxmlformats.org/presentationml/2006/main">
   <p:cSld>
